--- a/Slides/5.Public-Key-Crypto.pptx
+++ b/Slides/5.Public-Key-Crypto.pptx
@@ -258,7 +258,7 @@
             <a:fld id="{AD47CF68-C619-4066-8A6D-C319F740D451}" type="datetimeFigureOut">
               <a:rPr lang="en-US" smtClean="0"/>
               <a:pPr/>
-              <a:t>1/31/2017</a:t>
+              <a:t>3/7/18</a:t>
             </a:fld>
             <a:endParaRPr lang="en-US"/>
           </a:p>
@@ -2585,7 +2585,7 @@
             <a:fld id="{CFADA444-E7D5-429B-9FBF-0ABDAF059E53}" type="datetime1">
               <a:rPr lang="en-US" smtClean="0"/>
               <a:pPr/>
-              <a:t>1/31/2017</a:t>
+              <a:t>3/7/18</a:t>
             </a:fld>
             <a:endParaRPr lang="en-US"/>
           </a:p>
@@ -2756,7 +2756,7 @@
             <a:fld id="{542291D1-DC05-4946-8FFD-1959631F50AA}" type="datetime1">
               <a:rPr lang="en-US" smtClean="0"/>
               <a:pPr/>
-              <a:t>1/31/2017</a:t>
+              <a:t>3/7/18</a:t>
             </a:fld>
             <a:endParaRPr lang="en-US"/>
           </a:p>
@@ -2937,7 +2937,7 @@
             <a:fld id="{ACDD59AA-9A82-45A9-B30D-89A73FA5B7B2}" type="datetime1">
               <a:rPr lang="en-US" smtClean="0"/>
               <a:pPr/>
-              <a:t>1/31/2017</a:t>
+              <a:t>3/7/18</a:t>
             </a:fld>
             <a:endParaRPr lang="en-US"/>
           </a:p>
@@ -3114,7 +3114,7 @@
             <a:fld id="{EF9B5860-6334-4556-AB79-6B8BA4EE6068}" type="datetime1">
               <a:rPr lang="en-US" smtClean="0"/>
               <a:pPr/>
-              <a:t>1/31/2017</a:t>
+              <a:t>3/7/18</a:t>
             </a:fld>
             <a:endParaRPr lang="en-US"/>
           </a:p>
@@ -3361,7 +3361,7 @@
             <a:fld id="{838899EA-165F-4001-82FF-1A02E0D8CEDC}" type="datetime1">
               <a:rPr lang="en-US" smtClean="0"/>
               <a:pPr/>
-              <a:t>1/31/2017</a:t>
+              <a:t>3/7/18</a:t>
             </a:fld>
             <a:endParaRPr lang="en-US"/>
           </a:p>
@@ -3650,7 +3650,7 @@
             <a:fld id="{0A47F664-481A-4F24-8CAD-08BD014B83A6}" type="datetime1">
               <a:rPr lang="en-US" smtClean="0"/>
               <a:pPr/>
-              <a:t>1/31/2017</a:t>
+              <a:t>3/7/18</a:t>
             </a:fld>
             <a:endParaRPr lang="en-US"/>
           </a:p>
@@ -4073,7 +4073,7 @@
             <a:fld id="{54F9160D-F0A2-4990-9E8C-E59EBF066F8A}" type="datetime1">
               <a:rPr lang="en-US" smtClean="0"/>
               <a:pPr/>
-              <a:t>1/31/2017</a:t>
+              <a:t>3/7/18</a:t>
             </a:fld>
             <a:endParaRPr lang="en-US"/>
           </a:p>
@@ -4192,7 +4192,7 @@
             <a:fld id="{9368FA3C-0F01-4EB5-AE48-700886A53DBB}" type="datetime1">
               <a:rPr lang="en-US" smtClean="0"/>
               <a:pPr/>
-              <a:t>1/31/2017</a:t>
+              <a:t>3/7/18</a:t>
             </a:fld>
             <a:endParaRPr lang="en-US"/>
           </a:p>
@@ -4288,7 +4288,7 @@
             <a:fld id="{D060BDB7-22FC-42F5-A015-A2D1E6036EDD}" type="datetime1">
               <a:rPr lang="en-US" smtClean="0"/>
               <a:pPr/>
-              <a:t>1/31/2017</a:t>
+              <a:t>3/7/18</a:t>
             </a:fld>
             <a:endParaRPr lang="en-US"/>
           </a:p>
@@ -4566,7 +4566,7 @@
             <a:fld id="{2480DE4B-7333-49DB-8CAD-6623536D6998}" type="datetime1">
               <a:rPr lang="en-US" smtClean="0"/>
               <a:pPr/>
-              <a:t>1/31/2017</a:t>
+              <a:t>3/7/18</a:t>
             </a:fld>
             <a:endParaRPr lang="en-US"/>
           </a:p>
@@ -4824,7 +4824,7 @@
             <a:fld id="{E06A0671-B8DF-459C-B199-F218B854968E}" type="datetime1">
               <a:rPr lang="en-US" smtClean="0"/>
               <a:pPr/>
-              <a:t>1/31/2017</a:t>
+              <a:t>3/7/18</a:t>
             </a:fld>
             <a:endParaRPr lang="en-US"/>
           </a:p>
@@ -5038,7 +5038,7 @@
             <a:fld id="{F47A1715-F6FD-420D-A2AF-E6D9371CB746}" type="datetime1">
               <a:rPr lang="en-US" smtClean="0"/>
               <a:pPr/>
-              <a:t>1/31/2017</a:t>
+              <a:t>3/7/18</a:t>
             </a:fld>
             <a:endParaRPr lang="en-US"/>
           </a:p>
@@ -28152,11 +28152,7 @@
             </a:r>
             <a:r>
               <a:rPr lang="en-US" sz="2400" dirty="0" smtClean="0"/>
-              <a:t>integers is </a:t>
-            </a:r>
-            <a:r>
-              <a:rPr lang="en-US" sz="2400" dirty="0" smtClean="0"/>
-              <a:t>hard</a:t>
+              <a:t>integers is hard</a:t>
             </a:r>
           </a:p>
           <a:p>
